--- a/script/diagrams/reductions.pptx
+++ b/script/diagrams/reductions.pptx
@@ -6,6 +6,8 @@
   </p:sldMasterIdLst>
   <p:sldIdLst>
     <p:sldId id="256" r:id="rId2"/>
+    <p:sldId id="257" r:id="rId3"/>
+    <p:sldId id="258" r:id="rId4"/>
   </p:sldIdLst>
   <p:sldSz cx="9144000" cy="6858000" type="screen4x3"/>
   <p:notesSz cx="6858000" cy="9144000"/>
@@ -3371,6 +3373,1683 @@
     <p:extLst>
       <p:ext uri="{BB962C8B-B14F-4D97-AF65-F5344CB8AC3E}">
         <p14:creationId xmlns:p14="http://schemas.microsoft.com/office/powerpoint/2010/main" val="2623300533"/>
+      </p:ext>
+    </p:extLst>
+  </p:cSld>
+  <p:clrMapOvr>
+    <a:masterClrMapping/>
+  </p:clrMapOvr>
+</p:sld>
+</file>
+
+<file path=ppt/slides/slide2.xml><?xml version="1.0" encoding="utf-8"?>
+<p:sld xmlns:a="http://schemas.openxmlformats.org/drawingml/2006/main" xmlns:r="http://schemas.openxmlformats.org/officeDocument/2006/relationships" xmlns:p="http://schemas.openxmlformats.org/presentationml/2006/main">
+  <p:cSld>
+    <p:spTree>
+      <p:nvGrpSpPr>
+        <p:cNvPr id="1" name=""/>
+        <p:cNvGrpSpPr/>
+        <p:nvPr/>
+      </p:nvGrpSpPr>
+      <p:grpSpPr>
+        <a:xfrm>
+          <a:off x="0" y="0"/>
+          <a:ext cx="0" cy="0"/>
+          <a:chOff x="0" y="0"/>
+          <a:chExt cx="0" cy="0"/>
+        </a:xfrm>
+      </p:grpSpPr>
+      <p:sp>
+        <p:nvSpPr>
+          <p:cNvPr id="3" name="Oval 2"/>
+          <p:cNvSpPr/>
+          <p:nvPr/>
+        </p:nvSpPr>
+        <p:spPr>
+          <a:xfrm>
+            <a:off x="293946" y="318682"/>
+            <a:ext cx="447747" cy="404746"/>
+          </a:xfrm>
+          <a:prstGeom prst="ellipse">
+            <a:avLst/>
+          </a:prstGeom>
+        </p:spPr>
+        <p:style>
+          <a:lnRef idx="2">
+            <a:schemeClr val="dk1"/>
+          </a:lnRef>
+          <a:fillRef idx="1">
+            <a:schemeClr val="lt1"/>
+          </a:fillRef>
+          <a:effectRef idx="0">
+            <a:schemeClr val="dk1"/>
+          </a:effectRef>
+          <a:fontRef idx="minor">
+            <a:schemeClr val="dk1"/>
+          </a:fontRef>
+        </p:style>
+        <p:txBody>
+          <a:bodyPr rtlCol="0" anchor="ctr"/>
+          <a:lstStyle/>
+          <a:p>
+            <a:pPr algn="ctr"/>
+            <a:r>
+              <a:rPr lang="de-DE" sz="2800" dirty="0" err="1" smtClean="0"/>
+              <a:t>u</a:t>
+            </a:r>
+            <a:endParaRPr lang="de-DE" sz="2800" baseline="-25000" dirty="0"/>
+          </a:p>
+        </p:txBody>
+      </p:sp>
+      <p:cxnSp>
+        <p:nvCxnSpPr>
+          <p:cNvPr id="8" name="Gerade Verbindung mit Pfeil 7"/>
+          <p:cNvCxnSpPr>
+            <a:stCxn id="3" idx="6"/>
+            <a:endCxn id="16" idx="1"/>
+          </p:cNvCxnSpPr>
+          <p:nvPr/>
+        </p:nvCxnSpPr>
+        <p:spPr>
+          <a:xfrm>
+            <a:off x="741693" y="521055"/>
+            <a:ext cx="1245542" cy="779247"/>
+          </a:xfrm>
+          <a:prstGeom prst="straightConnector1">
+            <a:avLst/>
+          </a:prstGeom>
+          <a:ln>
+            <a:tailEnd type="none"/>
+          </a:ln>
+        </p:spPr>
+        <p:style>
+          <a:lnRef idx="2">
+            <a:schemeClr val="dk1"/>
+          </a:lnRef>
+          <a:fillRef idx="0">
+            <a:schemeClr val="dk1"/>
+          </a:fillRef>
+          <a:effectRef idx="1">
+            <a:schemeClr val="dk1"/>
+          </a:effectRef>
+          <a:fontRef idx="minor">
+            <a:schemeClr val="tx1"/>
+          </a:fontRef>
+        </p:style>
+      </p:cxnSp>
+      <p:sp>
+        <p:nvSpPr>
+          <p:cNvPr id="15" name="Oval 14"/>
+          <p:cNvSpPr/>
+          <p:nvPr/>
+        </p:nvSpPr>
+        <p:spPr>
+          <a:xfrm>
+            <a:off x="2079966" y="318682"/>
+            <a:ext cx="447747" cy="404746"/>
+          </a:xfrm>
+          <a:prstGeom prst="ellipse">
+            <a:avLst/>
+          </a:prstGeom>
+        </p:spPr>
+        <p:style>
+          <a:lnRef idx="2">
+            <a:schemeClr val="dk1"/>
+          </a:lnRef>
+          <a:fillRef idx="1">
+            <a:schemeClr val="lt1"/>
+          </a:fillRef>
+          <a:effectRef idx="0">
+            <a:schemeClr val="dk1"/>
+          </a:effectRef>
+          <a:fontRef idx="minor">
+            <a:schemeClr val="dk1"/>
+          </a:fontRef>
+        </p:style>
+        <p:txBody>
+          <a:bodyPr rtlCol="0" anchor="ctr"/>
+          <a:lstStyle/>
+          <a:p>
+            <a:pPr algn="ctr"/>
+            <a:r>
+              <a:rPr lang="de-DE" sz="2800" dirty="0"/>
+              <a:t>v</a:t>
+            </a:r>
+            <a:endParaRPr lang="de-DE" sz="2800" baseline="-25000" dirty="0"/>
+          </a:p>
+        </p:txBody>
+      </p:sp>
+      <p:sp>
+        <p:nvSpPr>
+          <p:cNvPr id="16" name="Oval 15"/>
+          <p:cNvSpPr/>
+          <p:nvPr/>
+        </p:nvSpPr>
+        <p:spPr>
+          <a:xfrm>
+            <a:off x="1921664" y="1241028"/>
+            <a:ext cx="447747" cy="404746"/>
+          </a:xfrm>
+          <a:prstGeom prst="ellipse">
+            <a:avLst/>
+          </a:prstGeom>
+        </p:spPr>
+        <p:style>
+          <a:lnRef idx="2">
+            <a:schemeClr val="dk1"/>
+          </a:lnRef>
+          <a:fillRef idx="1">
+            <a:schemeClr val="lt1"/>
+          </a:fillRef>
+          <a:effectRef idx="0">
+            <a:schemeClr val="dk1"/>
+          </a:effectRef>
+          <a:fontRef idx="minor">
+            <a:schemeClr val="dk1"/>
+          </a:fontRef>
+        </p:style>
+        <p:txBody>
+          <a:bodyPr rtlCol="0" anchor="ctr"/>
+          <a:lstStyle/>
+          <a:p>
+            <a:pPr algn="ctr"/>
+            <a:r>
+              <a:rPr lang="de-DE" sz="2800" dirty="0" err="1"/>
+              <a:t>w</a:t>
+            </a:r>
+            <a:endParaRPr lang="de-DE" sz="2800" baseline="-25000" dirty="0"/>
+          </a:p>
+        </p:txBody>
+      </p:sp>
+      <p:sp>
+        <p:nvSpPr>
+          <p:cNvPr id="17" name="Oval 16"/>
+          <p:cNvSpPr/>
+          <p:nvPr/>
+        </p:nvSpPr>
+        <p:spPr>
+          <a:xfrm>
+            <a:off x="222472" y="1210790"/>
+            <a:ext cx="447747" cy="404746"/>
+          </a:xfrm>
+          <a:prstGeom prst="ellipse">
+            <a:avLst/>
+          </a:prstGeom>
+        </p:spPr>
+        <p:style>
+          <a:lnRef idx="2">
+            <a:schemeClr val="dk1"/>
+          </a:lnRef>
+          <a:fillRef idx="1">
+            <a:schemeClr val="lt1"/>
+          </a:fillRef>
+          <a:effectRef idx="0">
+            <a:schemeClr val="dk1"/>
+          </a:effectRef>
+          <a:fontRef idx="minor">
+            <a:schemeClr val="dk1"/>
+          </a:fontRef>
+        </p:style>
+        <p:txBody>
+          <a:bodyPr rtlCol="0" anchor="ctr"/>
+          <a:lstStyle/>
+          <a:p>
+            <a:pPr algn="ctr"/>
+            <a:r>
+              <a:rPr lang="de-DE" sz="2800" dirty="0" err="1" smtClean="0"/>
+              <a:t>z</a:t>
+            </a:r>
+            <a:endParaRPr lang="de-DE" sz="2800" baseline="-25000" dirty="0"/>
+          </a:p>
+        </p:txBody>
+      </p:sp>
+      <p:sp>
+        <p:nvSpPr>
+          <p:cNvPr id="18" name="Oval 17"/>
+          <p:cNvSpPr/>
+          <p:nvPr/>
+        </p:nvSpPr>
+        <p:spPr>
+          <a:xfrm>
+            <a:off x="1255735" y="2159849"/>
+            <a:ext cx="447747" cy="404746"/>
+          </a:xfrm>
+          <a:prstGeom prst="ellipse">
+            <a:avLst/>
+          </a:prstGeom>
+        </p:spPr>
+        <p:style>
+          <a:lnRef idx="2">
+            <a:schemeClr val="dk1"/>
+          </a:lnRef>
+          <a:fillRef idx="1">
+            <a:schemeClr val="lt1"/>
+          </a:fillRef>
+          <a:effectRef idx="0">
+            <a:schemeClr val="dk1"/>
+          </a:effectRef>
+          <a:fontRef idx="minor">
+            <a:schemeClr val="dk1"/>
+          </a:fontRef>
+        </p:style>
+        <p:txBody>
+          <a:bodyPr rtlCol="0" anchor="ctr"/>
+          <a:lstStyle/>
+          <a:p>
+            <a:pPr algn="ctr"/>
+            <a:r>
+              <a:rPr lang="de-DE" sz="2800" dirty="0"/>
+              <a:t>x</a:t>
+            </a:r>
+            <a:endParaRPr lang="de-DE" sz="2800" baseline="-25000" dirty="0"/>
+          </a:p>
+        </p:txBody>
+      </p:sp>
+      <p:sp>
+        <p:nvSpPr>
+          <p:cNvPr id="19" name="Oval 18"/>
+          <p:cNvSpPr/>
+          <p:nvPr/>
+        </p:nvSpPr>
+        <p:spPr>
+          <a:xfrm>
+            <a:off x="446346" y="2186640"/>
+            <a:ext cx="447747" cy="404746"/>
+          </a:xfrm>
+          <a:prstGeom prst="ellipse">
+            <a:avLst/>
+          </a:prstGeom>
+        </p:spPr>
+        <p:style>
+          <a:lnRef idx="2">
+            <a:schemeClr val="dk1"/>
+          </a:lnRef>
+          <a:fillRef idx="1">
+            <a:schemeClr val="lt1"/>
+          </a:fillRef>
+          <a:effectRef idx="0">
+            <a:schemeClr val="dk1"/>
+          </a:effectRef>
+          <a:fontRef idx="minor">
+            <a:schemeClr val="dk1"/>
+          </a:fontRef>
+        </p:style>
+        <p:txBody>
+          <a:bodyPr rtlCol="0" anchor="ctr"/>
+          <a:lstStyle/>
+          <a:p>
+            <a:pPr algn="ctr"/>
+            <a:r>
+              <a:rPr lang="de-DE" sz="2800" dirty="0" err="1" smtClean="0"/>
+              <a:t>y</a:t>
+            </a:r>
+            <a:endParaRPr lang="de-DE" sz="2800" baseline="-25000" dirty="0"/>
+          </a:p>
+        </p:txBody>
+      </p:sp>
+      <p:cxnSp>
+        <p:nvCxnSpPr>
+          <p:cNvPr id="21" name="Gerade Verbindung mit Pfeil 20"/>
+          <p:cNvCxnSpPr>
+            <a:stCxn id="17" idx="7"/>
+            <a:endCxn id="15" idx="2"/>
+          </p:cNvCxnSpPr>
+          <p:nvPr/>
+        </p:nvCxnSpPr>
+        <p:spPr>
+          <a:xfrm flipV="1">
+            <a:off x="604648" y="521055"/>
+            <a:ext cx="1475318" cy="749009"/>
+          </a:xfrm>
+          <a:prstGeom prst="straightConnector1">
+            <a:avLst/>
+          </a:prstGeom>
+          <a:ln>
+            <a:tailEnd type="none"/>
+          </a:ln>
+        </p:spPr>
+        <p:style>
+          <a:lnRef idx="2">
+            <a:schemeClr val="dk1"/>
+          </a:lnRef>
+          <a:fillRef idx="0">
+            <a:schemeClr val="dk1"/>
+          </a:fillRef>
+          <a:effectRef idx="1">
+            <a:schemeClr val="dk1"/>
+          </a:effectRef>
+          <a:fontRef idx="minor">
+            <a:schemeClr val="tx1"/>
+          </a:fontRef>
+        </p:style>
+      </p:cxnSp>
+      <p:cxnSp>
+        <p:nvCxnSpPr>
+          <p:cNvPr id="24" name="Gerade Verbindung mit Pfeil 23"/>
+          <p:cNvCxnSpPr>
+            <a:stCxn id="15" idx="4"/>
+            <a:endCxn id="16" idx="0"/>
+          </p:cNvCxnSpPr>
+          <p:nvPr/>
+        </p:nvCxnSpPr>
+        <p:spPr>
+          <a:xfrm flipH="1">
+            <a:off x="2145538" y="723428"/>
+            <a:ext cx="158302" cy="517600"/>
+          </a:xfrm>
+          <a:prstGeom prst="straightConnector1">
+            <a:avLst/>
+          </a:prstGeom>
+          <a:ln>
+            <a:tailEnd type="none"/>
+          </a:ln>
+        </p:spPr>
+        <p:style>
+          <a:lnRef idx="2">
+            <a:schemeClr val="dk1"/>
+          </a:lnRef>
+          <a:fillRef idx="0">
+            <a:schemeClr val="dk1"/>
+          </a:fillRef>
+          <a:effectRef idx="1">
+            <a:schemeClr val="dk1"/>
+          </a:effectRef>
+          <a:fontRef idx="minor">
+            <a:schemeClr val="tx1"/>
+          </a:fontRef>
+        </p:style>
+      </p:cxnSp>
+      <p:cxnSp>
+        <p:nvCxnSpPr>
+          <p:cNvPr id="33" name="Gerade Verbindung mit Pfeil 32"/>
+          <p:cNvCxnSpPr>
+            <a:stCxn id="18" idx="0"/>
+            <a:endCxn id="16" idx="4"/>
+          </p:cNvCxnSpPr>
+          <p:nvPr/>
+        </p:nvCxnSpPr>
+        <p:spPr>
+          <a:xfrm flipV="1">
+            <a:off x="1479609" y="1645774"/>
+            <a:ext cx="665929" cy="514075"/>
+          </a:xfrm>
+          <a:prstGeom prst="straightConnector1">
+            <a:avLst/>
+          </a:prstGeom>
+          <a:ln>
+            <a:tailEnd type="none"/>
+          </a:ln>
+        </p:spPr>
+        <p:style>
+          <a:lnRef idx="2">
+            <a:schemeClr val="dk1"/>
+          </a:lnRef>
+          <a:fillRef idx="0">
+            <a:schemeClr val="dk1"/>
+          </a:fillRef>
+          <a:effectRef idx="1">
+            <a:schemeClr val="dk1"/>
+          </a:effectRef>
+          <a:fontRef idx="minor">
+            <a:schemeClr val="tx1"/>
+          </a:fontRef>
+        </p:style>
+      </p:cxnSp>
+      <p:cxnSp>
+        <p:nvCxnSpPr>
+          <p:cNvPr id="36" name="Gerade Verbindung mit Pfeil 35"/>
+          <p:cNvCxnSpPr>
+            <a:stCxn id="19" idx="0"/>
+            <a:endCxn id="17" idx="4"/>
+          </p:cNvCxnSpPr>
+          <p:nvPr/>
+        </p:nvCxnSpPr>
+        <p:spPr>
+          <a:xfrm flipH="1" flipV="1">
+            <a:off x="446346" y="1615536"/>
+            <a:ext cx="223874" cy="571104"/>
+          </a:xfrm>
+          <a:prstGeom prst="straightConnector1">
+            <a:avLst/>
+          </a:prstGeom>
+          <a:ln>
+            <a:tailEnd type="none"/>
+          </a:ln>
+        </p:spPr>
+        <p:style>
+          <a:lnRef idx="2">
+            <a:schemeClr val="dk1"/>
+          </a:lnRef>
+          <a:fillRef idx="0">
+            <a:schemeClr val="dk1"/>
+          </a:fillRef>
+          <a:effectRef idx="1">
+            <a:schemeClr val="dk1"/>
+          </a:effectRef>
+          <a:fontRef idx="minor">
+            <a:schemeClr val="tx1"/>
+          </a:fontRef>
+        </p:style>
+      </p:cxnSp>
+    </p:spTree>
+    <p:extLst>
+      <p:ext uri="{BB962C8B-B14F-4D97-AF65-F5344CB8AC3E}">
+        <p14:creationId xmlns:p14="http://schemas.microsoft.com/office/powerpoint/2010/main" val="1906635721"/>
+      </p:ext>
+    </p:extLst>
+  </p:cSld>
+  <p:clrMapOvr>
+    <a:masterClrMapping/>
+  </p:clrMapOvr>
+</p:sld>
+</file>
+
+<file path=ppt/slides/slide3.xml><?xml version="1.0" encoding="utf-8"?>
+<p:sld xmlns:a="http://schemas.openxmlformats.org/drawingml/2006/main" xmlns:r="http://schemas.openxmlformats.org/officeDocument/2006/relationships" xmlns:p="http://schemas.openxmlformats.org/presentationml/2006/main">
+  <p:cSld>
+    <p:spTree>
+      <p:nvGrpSpPr>
+        <p:cNvPr id="1" name=""/>
+        <p:cNvGrpSpPr/>
+        <p:nvPr/>
+      </p:nvGrpSpPr>
+      <p:grpSpPr>
+        <a:xfrm>
+          <a:off x="0" y="0"/>
+          <a:ext cx="0" cy="0"/>
+          <a:chOff x="0" y="0"/>
+          <a:chExt cx="0" cy="0"/>
+        </a:xfrm>
+      </p:grpSpPr>
+      <p:sp>
+        <p:nvSpPr>
+          <p:cNvPr id="3" name="Oval 2"/>
+          <p:cNvSpPr/>
+          <p:nvPr/>
+        </p:nvSpPr>
+        <p:spPr>
+          <a:xfrm>
+            <a:off x="4801404" y="521055"/>
+            <a:ext cx="447747" cy="404746"/>
+          </a:xfrm>
+          <a:prstGeom prst="ellipse">
+            <a:avLst/>
+          </a:prstGeom>
+        </p:spPr>
+        <p:style>
+          <a:lnRef idx="2">
+            <a:schemeClr val="dk1"/>
+          </a:lnRef>
+          <a:fillRef idx="1">
+            <a:schemeClr val="lt1"/>
+          </a:fillRef>
+          <a:effectRef idx="0">
+            <a:schemeClr val="dk1"/>
+          </a:effectRef>
+          <a:fontRef idx="minor">
+            <a:schemeClr val="dk1"/>
+          </a:fontRef>
+        </p:style>
+        <p:txBody>
+          <a:bodyPr rtlCol="0" anchor="ctr"/>
+          <a:lstStyle/>
+          <a:p>
+            <a:pPr algn="ctr"/>
+            <a:r>
+              <a:rPr lang="de-DE" sz="2800" dirty="0" err="1" smtClean="0"/>
+              <a:t>u</a:t>
+            </a:r>
+            <a:endParaRPr lang="de-DE" sz="2800" baseline="-25000" dirty="0"/>
+          </a:p>
+        </p:txBody>
+      </p:sp>
+      <p:cxnSp>
+        <p:nvCxnSpPr>
+          <p:cNvPr id="8" name="Gerade Verbindung mit Pfeil 7"/>
+          <p:cNvCxnSpPr>
+            <a:stCxn id="3" idx="6"/>
+            <a:endCxn id="16" idx="1"/>
+          </p:cNvCxnSpPr>
+          <p:nvPr/>
+        </p:nvCxnSpPr>
+        <p:spPr>
+          <a:xfrm>
+            <a:off x="5249151" y="723428"/>
+            <a:ext cx="1245542" cy="779247"/>
+          </a:xfrm>
+          <a:prstGeom prst="straightConnector1">
+            <a:avLst/>
+          </a:prstGeom>
+          <a:ln>
+            <a:tailEnd type="none"/>
+          </a:ln>
+        </p:spPr>
+        <p:style>
+          <a:lnRef idx="2">
+            <a:schemeClr val="dk1"/>
+          </a:lnRef>
+          <a:fillRef idx="0">
+            <a:schemeClr val="dk1"/>
+          </a:fillRef>
+          <a:effectRef idx="1">
+            <a:schemeClr val="dk1"/>
+          </a:effectRef>
+          <a:fontRef idx="minor">
+            <a:schemeClr val="tx1"/>
+          </a:fontRef>
+        </p:style>
+      </p:cxnSp>
+      <p:sp>
+        <p:nvSpPr>
+          <p:cNvPr id="15" name="Oval 14"/>
+          <p:cNvSpPr/>
+          <p:nvPr/>
+        </p:nvSpPr>
+        <p:spPr>
+          <a:xfrm>
+            <a:off x="6587424" y="521055"/>
+            <a:ext cx="447747" cy="404746"/>
+          </a:xfrm>
+          <a:prstGeom prst="ellipse">
+            <a:avLst/>
+          </a:prstGeom>
+        </p:spPr>
+        <p:style>
+          <a:lnRef idx="2">
+            <a:schemeClr val="dk1"/>
+          </a:lnRef>
+          <a:fillRef idx="1">
+            <a:schemeClr val="lt1"/>
+          </a:fillRef>
+          <a:effectRef idx="0">
+            <a:schemeClr val="dk1"/>
+          </a:effectRef>
+          <a:fontRef idx="minor">
+            <a:schemeClr val="dk1"/>
+          </a:fontRef>
+        </p:style>
+        <p:txBody>
+          <a:bodyPr rtlCol="0" anchor="ctr"/>
+          <a:lstStyle/>
+          <a:p>
+            <a:pPr algn="ctr"/>
+            <a:r>
+              <a:rPr lang="de-DE" sz="2800" dirty="0"/>
+              <a:t>v</a:t>
+            </a:r>
+            <a:endParaRPr lang="de-DE" sz="2800" baseline="-25000" dirty="0"/>
+          </a:p>
+        </p:txBody>
+      </p:sp>
+      <p:sp>
+        <p:nvSpPr>
+          <p:cNvPr id="16" name="Oval 15"/>
+          <p:cNvSpPr/>
+          <p:nvPr/>
+        </p:nvSpPr>
+        <p:spPr>
+          <a:xfrm>
+            <a:off x="6429122" y="1443401"/>
+            <a:ext cx="447747" cy="404746"/>
+          </a:xfrm>
+          <a:prstGeom prst="ellipse">
+            <a:avLst/>
+          </a:prstGeom>
+        </p:spPr>
+        <p:style>
+          <a:lnRef idx="2">
+            <a:schemeClr val="dk1"/>
+          </a:lnRef>
+          <a:fillRef idx="1">
+            <a:schemeClr val="lt1"/>
+          </a:fillRef>
+          <a:effectRef idx="0">
+            <a:schemeClr val="dk1"/>
+          </a:effectRef>
+          <a:fontRef idx="minor">
+            <a:schemeClr val="dk1"/>
+          </a:fontRef>
+        </p:style>
+        <p:txBody>
+          <a:bodyPr rtlCol="0" anchor="ctr"/>
+          <a:lstStyle/>
+          <a:p>
+            <a:pPr algn="ctr"/>
+            <a:r>
+              <a:rPr lang="de-DE" sz="2800" dirty="0" err="1"/>
+              <a:t>w</a:t>
+            </a:r>
+            <a:endParaRPr lang="de-DE" sz="2800" baseline="-25000" dirty="0"/>
+          </a:p>
+        </p:txBody>
+      </p:sp>
+      <p:sp>
+        <p:nvSpPr>
+          <p:cNvPr id="17" name="Oval 16"/>
+          <p:cNvSpPr/>
+          <p:nvPr/>
+        </p:nvSpPr>
+        <p:spPr>
+          <a:xfrm>
+            <a:off x="4729930" y="1413163"/>
+            <a:ext cx="447747" cy="404746"/>
+          </a:xfrm>
+          <a:prstGeom prst="ellipse">
+            <a:avLst/>
+          </a:prstGeom>
+        </p:spPr>
+        <p:style>
+          <a:lnRef idx="2">
+            <a:schemeClr val="dk1"/>
+          </a:lnRef>
+          <a:fillRef idx="1">
+            <a:schemeClr val="lt1"/>
+          </a:fillRef>
+          <a:effectRef idx="0">
+            <a:schemeClr val="dk1"/>
+          </a:effectRef>
+          <a:fontRef idx="minor">
+            <a:schemeClr val="dk1"/>
+          </a:fontRef>
+        </p:style>
+        <p:txBody>
+          <a:bodyPr rtlCol="0" anchor="ctr"/>
+          <a:lstStyle/>
+          <a:p>
+            <a:pPr algn="ctr"/>
+            <a:r>
+              <a:rPr lang="de-DE" sz="2800" dirty="0" err="1" smtClean="0"/>
+              <a:t>z</a:t>
+            </a:r>
+            <a:endParaRPr lang="de-DE" sz="2800" baseline="-25000" dirty="0"/>
+          </a:p>
+        </p:txBody>
+      </p:sp>
+      <p:sp>
+        <p:nvSpPr>
+          <p:cNvPr id="18" name="Oval 17"/>
+          <p:cNvSpPr/>
+          <p:nvPr/>
+        </p:nvSpPr>
+        <p:spPr>
+          <a:xfrm>
+            <a:off x="5763193" y="2362222"/>
+            <a:ext cx="447747" cy="404746"/>
+          </a:xfrm>
+          <a:prstGeom prst="ellipse">
+            <a:avLst/>
+          </a:prstGeom>
+        </p:spPr>
+        <p:style>
+          <a:lnRef idx="2">
+            <a:schemeClr val="dk1"/>
+          </a:lnRef>
+          <a:fillRef idx="1">
+            <a:schemeClr val="lt1"/>
+          </a:fillRef>
+          <a:effectRef idx="0">
+            <a:schemeClr val="dk1"/>
+          </a:effectRef>
+          <a:fontRef idx="minor">
+            <a:schemeClr val="dk1"/>
+          </a:fontRef>
+        </p:style>
+        <p:txBody>
+          <a:bodyPr rtlCol="0" anchor="ctr"/>
+          <a:lstStyle/>
+          <a:p>
+            <a:pPr algn="ctr"/>
+            <a:r>
+              <a:rPr lang="de-DE" sz="2800" dirty="0"/>
+              <a:t>x</a:t>
+            </a:r>
+            <a:endParaRPr lang="de-DE" sz="2800" baseline="-25000" dirty="0"/>
+          </a:p>
+        </p:txBody>
+      </p:sp>
+      <p:sp>
+        <p:nvSpPr>
+          <p:cNvPr id="19" name="Oval 18"/>
+          <p:cNvSpPr/>
+          <p:nvPr/>
+        </p:nvSpPr>
+        <p:spPr>
+          <a:xfrm>
+            <a:off x="4953804" y="2389013"/>
+            <a:ext cx="447747" cy="404746"/>
+          </a:xfrm>
+          <a:prstGeom prst="ellipse">
+            <a:avLst/>
+          </a:prstGeom>
+        </p:spPr>
+        <p:style>
+          <a:lnRef idx="2">
+            <a:schemeClr val="dk1"/>
+          </a:lnRef>
+          <a:fillRef idx="1">
+            <a:schemeClr val="lt1"/>
+          </a:fillRef>
+          <a:effectRef idx="0">
+            <a:schemeClr val="dk1"/>
+          </a:effectRef>
+          <a:fontRef idx="minor">
+            <a:schemeClr val="dk1"/>
+          </a:fontRef>
+        </p:style>
+        <p:txBody>
+          <a:bodyPr rtlCol="0" anchor="ctr"/>
+          <a:lstStyle/>
+          <a:p>
+            <a:pPr algn="ctr"/>
+            <a:r>
+              <a:rPr lang="de-DE" sz="2800" dirty="0" err="1" smtClean="0"/>
+              <a:t>y</a:t>
+            </a:r>
+            <a:endParaRPr lang="de-DE" sz="2800" baseline="-25000" dirty="0"/>
+          </a:p>
+        </p:txBody>
+      </p:sp>
+      <p:cxnSp>
+        <p:nvCxnSpPr>
+          <p:cNvPr id="21" name="Gerade Verbindung mit Pfeil 20"/>
+          <p:cNvCxnSpPr>
+            <a:stCxn id="17" idx="7"/>
+            <a:endCxn id="15" idx="2"/>
+          </p:cNvCxnSpPr>
+          <p:nvPr/>
+        </p:nvCxnSpPr>
+        <p:spPr>
+          <a:xfrm flipV="1">
+            <a:off x="5112106" y="723428"/>
+            <a:ext cx="1475318" cy="749009"/>
+          </a:xfrm>
+          <a:prstGeom prst="straightConnector1">
+            <a:avLst/>
+          </a:prstGeom>
+          <a:ln>
+            <a:tailEnd type="none"/>
+          </a:ln>
+        </p:spPr>
+        <p:style>
+          <a:lnRef idx="2">
+            <a:schemeClr val="dk1"/>
+          </a:lnRef>
+          <a:fillRef idx="0">
+            <a:schemeClr val="dk1"/>
+          </a:fillRef>
+          <a:effectRef idx="1">
+            <a:schemeClr val="dk1"/>
+          </a:effectRef>
+          <a:fontRef idx="minor">
+            <a:schemeClr val="tx1"/>
+          </a:fontRef>
+        </p:style>
+      </p:cxnSp>
+      <p:cxnSp>
+        <p:nvCxnSpPr>
+          <p:cNvPr id="24" name="Gerade Verbindung mit Pfeil 23"/>
+          <p:cNvCxnSpPr>
+            <a:stCxn id="15" idx="4"/>
+            <a:endCxn id="16" idx="0"/>
+          </p:cNvCxnSpPr>
+          <p:nvPr/>
+        </p:nvCxnSpPr>
+        <p:spPr>
+          <a:xfrm flipH="1">
+            <a:off x="6652996" y="925801"/>
+            <a:ext cx="158302" cy="517600"/>
+          </a:xfrm>
+          <a:prstGeom prst="straightConnector1">
+            <a:avLst/>
+          </a:prstGeom>
+          <a:ln>
+            <a:tailEnd type="none"/>
+          </a:ln>
+        </p:spPr>
+        <p:style>
+          <a:lnRef idx="2">
+            <a:schemeClr val="dk1"/>
+          </a:lnRef>
+          <a:fillRef idx="0">
+            <a:schemeClr val="dk1"/>
+          </a:fillRef>
+          <a:effectRef idx="1">
+            <a:schemeClr val="dk1"/>
+          </a:effectRef>
+          <a:fontRef idx="minor">
+            <a:schemeClr val="tx1"/>
+          </a:fontRef>
+        </p:style>
+      </p:cxnSp>
+      <p:cxnSp>
+        <p:nvCxnSpPr>
+          <p:cNvPr id="33" name="Gerade Verbindung mit Pfeil 32"/>
+          <p:cNvCxnSpPr>
+            <a:stCxn id="18" idx="0"/>
+            <a:endCxn id="16" idx="4"/>
+          </p:cNvCxnSpPr>
+          <p:nvPr/>
+        </p:nvCxnSpPr>
+        <p:spPr>
+          <a:xfrm flipV="1">
+            <a:off x="5987067" y="1848147"/>
+            <a:ext cx="665929" cy="514075"/>
+          </a:xfrm>
+          <a:prstGeom prst="straightConnector1">
+            <a:avLst/>
+          </a:prstGeom>
+          <a:ln>
+            <a:tailEnd type="none"/>
+          </a:ln>
+        </p:spPr>
+        <p:style>
+          <a:lnRef idx="2">
+            <a:schemeClr val="dk1"/>
+          </a:lnRef>
+          <a:fillRef idx="0">
+            <a:schemeClr val="dk1"/>
+          </a:fillRef>
+          <a:effectRef idx="1">
+            <a:schemeClr val="dk1"/>
+          </a:effectRef>
+          <a:fontRef idx="minor">
+            <a:schemeClr val="tx1"/>
+          </a:fontRef>
+        </p:style>
+      </p:cxnSp>
+      <p:cxnSp>
+        <p:nvCxnSpPr>
+          <p:cNvPr id="36" name="Gerade Verbindung mit Pfeil 35"/>
+          <p:cNvCxnSpPr>
+            <a:stCxn id="19" idx="0"/>
+            <a:endCxn id="17" idx="4"/>
+          </p:cNvCxnSpPr>
+          <p:nvPr/>
+        </p:nvCxnSpPr>
+        <p:spPr>
+          <a:xfrm flipH="1" flipV="1">
+            <a:off x="4953804" y="1817909"/>
+            <a:ext cx="223874" cy="571104"/>
+          </a:xfrm>
+          <a:prstGeom prst="straightConnector1">
+            <a:avLst/>
+          </a:prstGeom>
+          <a:ln>
+            <a:tailEnd type="none"/>
+          </a:ln>
+        </p:spPr>
+        <p:style>
+          <a:lnRef idx="2">
+            <a:schemeClr val="dk1"/>
+          </a:lnRef>
+          <a:fillRef idx="0">
+            <a:schemeClr val="dk1"/>
+          </a:fillRef>
+          <a:effectRef idx="1">
+            <a:schemeClr val="dk1"/>
+          </a:effectRef>
+          <a:fontRef idx="minor">
+            <a:schemeClr val="tx1"/>
+          </a:fontRef>
+        </p:style>
+      </p:cxnSp>
+      <p:sp>
+        <p:nvSpPr>
+          <p:cNvPr id="13" name="Oval 12"/>
+          <p:cNvSpPr/>
+          <p:nvPr/>
+        </p:nvSpPr>
+        <p:spPr>
+          <a:xfrm>
+            <a:off x="1367375" y="471082"/>
+            <a:ext cx="447747" cy="404746"/>
+          </a:xfrm>
+          <a:prstGeom prst="ellipse">
+            <a:avLst/>
+          </a:prstGeom>
+        </p:spPr>
+        <p:style>
+          <a:lnRef idx="2">
+            <a:schemeClr val="dk1"/>
+          </a:lnRef>
+          <a:fillRef idx="1">
+            <a:schemeClr val="lt1"/>
+          </a:fillRef>
+          <a:effectRef idx="0">
+            <a:schemeClr val="dk1"/>
+          </a:effectRef>
+          <a:fontRef idx="minor">
+            <a:schemeClr val="dk1"/>
+          </a:fontRef>
+        </p:style>
+        <p:txBody>
+          <a:bodyPr rtlCol="0" anchor="ctr"/>
+          <a:lstStyle/>
+          <a:p>
+            <a:pPr algn="ctr"/>
+            <a:r>
+              <a:rPr lang="de-DE" sz="2800" dirty="0" err="1" smtClean="0"/>
+              <a:t>u</a:t>
+            </a:r>
+            <a:endParaRPr lang="de-DE" sz="2800" baseline="-25000" dirty="0"/>
+          </a:p>
+        </p:txBody>
+      </p:sp>
+      <p:sp>
+        <p:nvSpPr>
+          <p:cNvPr id="20" name="Oval 19"/>
+          <p:cNvSpPr/>
+          <p:nvPr/>
+        </p:nvSpPr>
+        <p:spPr>
+          <a:xfrm>
+            <a:off x="3153395" y="471082"/>
+            <a:ext cx="447747" cy="404746"/>
+          </a:xfrm>
+          <a:prstGeom prst="ellipse">
+            <a:avLst/>
+          </a:prstGeom>
+        </p:spPr>
+        <p:style>
+          <a:lnRef idx="2">
+            <a:schemeClr val="dk1"/>
+          </a:lnRef>
+          <a:fillRef idx="1">
+            <a:schemeClr val="lt1"/>
+          </a:fillRef>
+          <a:effectRef idx="0">
+            <a:schemeClr val="dk1"/>
+          </a:effectRef>
+          <a:fontRef idx="minor">
+            <a:schemeClr val="dk1"/>
+          </a:fontRef>
+        </p:style>
+        <p:txBody>
+          <a:bodyPr rtlCol="0" anchor="ctr"/>
+          <a:lstStyle/>
+          <a:p>
+            <a:pPr algn="ctr"/>
+            <a:r>
+              <a:rPr lang="de-DE" sz="2800" dirty="0"/>
+              <a:t>v</a:t>
+            </a:r>
+            <a:endParaRPr lang="de-DE" sz="2800" baseline="-25000" dirty="0"/>
+          </a:p>
+        </p:txBody>
+      </p:sp>
+      <p:sp>
+        <p:nvSpPr>
+          <p:cNvPr id="22" name="Oval 21"/>
+          <p:cNvSpPr/>
+          <p:nvPr/>
+        </p:nvSpPr>
+        <p:spPr>
+          <a:xfrm>
+            <a:off x="3585440" y="1363190"/>
+            <a:ext cx="447747" cy="404746"/>
+          </a:xfrm>
+          <a:prstGeom prst="ellipse">
+            <a:avLst/>
+          </a:prstGeom>
+        </p:spPr>
+        <p:style>
+          <a:lnRef idx="2">
+            <a:schemeClr val="dk1"/>
+          </a:lnRef>
+          <a:fillRef idx="1">
+            <a:schemeClr val="lt1"/>
+          </a:fillRef>
+          <a:effectRef idx="0">
+            <a:schemeClr val="dk1"/>
+          </a:effectRef>
+          <a:fontRef idx="minor">
+            <a:schemeClr val="dk1"/>
+          </a:fontRef>
+        </p:style>
+        <p:txBody>
+          <a:bodyPr rtlCol="0" anchor="ctr"/>
+          <a:lstStyle/>
+          <a:p>
+            <a:pPr algn="ctr"/>
+            <a:r>
+              <a:rPr lang="de-DE" sz="2800" dirty="0" err="1"/>
+              <a:t>w</a:t>
+            </a:r>
+            <a:endParaRPr lang="de-DE" sz="2800" baseline="-25000" dirty="0"/>
+          </a:p>
+        </p:txBody>
+      </p:sp>
+      <p:sp>
+        <p:nvSpPr>
+          <p:cNvPr id="23" name="Oval 22"/>
+          <p:cNvSpPr/>
+          <p:nvPr/>
+        </p:nvSpPr>
+        <p:spPr>
+          <a:xfrm>
+            <a:off x="848154" y="1301507"/>
+            <a:ext cx="447747" cy="404746"/>
+          </a:xfrm>
+          <a:prstGeom prst="ellipse">
+            <a:avLst/>
+          </a:prstGeom>
+        </p:spPr>
+        <p:style>
+          <a:lnRef idx="2">
+            <a:schemeClr val="dk1"/>
+          </a:lnRef>
+          <a:fillRef idx="1">
+            <a:schemeClr val="lt1"/>
+          </a:fillRef>
+          <a:effectRef idx="0">
+            <a:schemeClr val="dk1"/>
+          </a:effectRef>
+          <a:fontRef idx="minor">
+            <a:schemeClr val="dk1"/>
+          </a:fontRef>
+        </p:style>
+        <p:txBody>
+          <a:bodyPr rtlCol="0" anchor="ctr"/>
+          <a:lstStyle/>
+          <a:p>
+            <a:pPr algn="ctr"/>
+            <a:r>
+              <a:rPr lang="de-DE" sz="2800" dirty="0" err="1" smtClean="0"/>
+              <a:t>z</a:t>
+            </a:r>
+            <a:endParaRPr lang="de-DE" sz="2800" baseline="-25000" dirty="0"/>
+          </a:p>
+        </p:txBody>
+      </p:sp>
+      <p:sp>
+        <p:nvSpPr>
+          <p:cNvPr id="25" name="Oval 24"/>
+          <p:cNvSpPr/>
+          <p:nvPr/>
+        </p:nvSpPr>
+        <p:spPr>
+          <a:xfrm>
+            <a:off x="3122981" y="2113407"/>
+            <a:ext cx="447747" cy="404746"/>
+          </a:xfrm>
+          <a:prstGeom prst="ellipse">
+            <a:avLst/>
+          </a:prstGeom>
+        </p:spPr>
+        <p:style>
+          <a:lnRef idx="2">
+            <a:schemeClr val="dk1"/>
+          </a:lnRef>
+          <a:fillRef idx="1">
+            <a:schemeClr val="lt1"/>
+          </a:fillRef>
+          <a:effectRef idx="0">
+            <a:schemeClr val="dk1"/>
+          </a:effectRef>
+          <a:fontRef idx="minor">
+            <a:schemeClr val="dk1"/>
+          </a:fontRef>
+        </p:style>
+        <p:txBody>
+          <a:bodyPr rtlCol="0" anchor="ctr"/>
+          <a:lstStyle/>
+          <a:p>
+            <a:pPr algn="ctr"/>
+            <a:r>
+              <a:rPr lang="de-DE" sz="2800" dirty="0"/>
+              <a:t>x</a:t>
+            </a:r>
+            <a:endParaRPr lang="de-DE" sz="2800" baseline="-25000" dirty="0"/>
+          </a:p>
+        </p:txBody>
+      </p:sp>
+      <p:sp>
+        <p:nvSpPr>
+          <p:cNvPr id="26" name="Oval 25"/>
+          <p:cNvSpPr/>
+          <p:nvPr/>
+        </p:nvSpPr>
+        <p:spPr>
+          <a:xfrm>
+            <a:off x="1367245" y="2109876"/>
+            <a:ext cx="447747" cy="404746"/>
+          </a:xfrm>
+          <a:prstGeom prst="ellipse">
+            <a:avLst/>
+          </a:prstGeom>
+        </p:spPr>
+        <p:style>
+          <a:lnRef idx="2">
+            <a:schemeClr val="dk1"/>
+          </a:lnRef>
+          <a:fillRef idx="1">
+            <a:schemeClr val="lt1"/>
+          </a:fillRef>
+          <a:effectRef idx="0">
+            <a:schemeClr val="dk1"/>
+          </a:effectRef>
+          <a:fontRef idx="minor">
+            <a:schemeClr val="dk1"/>
+          </a:fontRef>
+        </p:style>
+        <p:txBody>
+          <a:bodyPr rtlCol="0" anchor="ctr"/>
+          <a:lstStyle/>
+          <a:p>
+            <a:pPr algn="ctr"/>
+            <a:r>
+              <a:rPr lang="de-DE" sz="2800" dirty="0" err="1" smtClean="0"/>
+              <a:t>y</a:t>
+            </a:r>
+            <a:endParaRPr lang="de-DE" sz="2800" baseline="-25000" dirty="0"/>
+          </a:p>
+        </p:txBody>
+      </p:sp>
+      <p:cxnSp>
+        <p:nvCxnSpPr>
+          <p:cNvPr id="30" name="Gerade Verbindung mit Pfeil 29"/>
+          <p:cNvCxnSpPr>
+            <a:stCxn id="25" idx="1"/>
+            <a:endCxn id="23" idx="6"/>
+          </p:cNvCxnSpPr>
+          <p:nvPr/>
+        </p:nvCxnSpPr>
+        <p:spPr>
+          <a:xfrm flipH="1" flipV="1">
+            <a:off x="1295901" y="1503880"/>
+            <a:ext cx="1892651" cy="668801"/>
+          </a:xfrm>
+          <a:prstGeom prst="straightConnector1">
+            <a:avLst/>
+          </a:prstGeom>
+          <a:ln>
+            <a:tailEnd type="none"/>
+          </a:ln>
+        </p:spPr>
+        <p:style>
+          <a:lnRef idx="2">
+            <a:schemeClr val="dk1"/>
+          </a:lnRef>
+          <a:fillRef idx="0">
+            <a:schemeClr val="dk1"/>
+          </a:fillRef>
+          <a:effectRef idx="1">
+            <a:schemeClr val="dk1"/>
+          </a:effectRef>
+          <a:fontRef idx="minor">
+            <a:schemeClr val="tx1"/>
+          </a:fontRef>
+        </p:style>
+      </p:cxnSp>
+      <p:sp>
+        <p:nvSpPr>
+          <p:cNvPr id="2" name="Textfeld 1"/>
+          <p:cNvSpPr txBox="1"/>
+          <p:nvPr/>
+        </p:nvSpPr>
+        <p:spPr>
+          <a:xfrm>
+            <a:off x="125595" y="192467"/>
+            <a:ext cx="879164" cy="369332"/>
+          </a:xfrm>
+          <a:prstGeom prst="rect">
+            <a:avLst/>
+          </a:prstGeom>
+          <a:noFill/>
+        </p:spPr>
+        <p:txBody>
+          <a:bodyPr wrap="square" rtlCol="0">
+            <a:spAutoFit/>
+          </a:bodyPr>
+          <a:lstStyle/>
+          <a:p>
+            <a:r>
+              <a:rPr lang="de-DE" dirty="0" smtClean="0"/>
+              <a:t>G:</a:t>
+            </a:r>
+            <a:endParaRPr lang="de-DE" dirty="0"/>
+          </a:p>
+        </p:txBody>
+      </p:sp>
+      <p:sp>
+        <p:nvSpPr>
+          <p:cNvPr id="44" name="Textfeld 43"/>
+          <p:cNvSpPr txBox="1"/>
+          <p:nvPr/>
+        </p:nvSpPr>
+        <p:spPr>
+          <a:xfrm>
+            <a:off x="4572000" y="192467"/>
+            <a:ext cx="879164" cy="369332"/>
+          </a:xfrm>
+          <a:prstGeom prst="rect">
+            <a:avLst/>
+          </a:prstGeom>
+          <a:noFill/>
+        </p:spPr>
+        <p:txBody>
+          <a:bodyPr wrap="square" rtlCol="0">
+            <a:spAutoFit/>
+          </a:bodyPr>
+          <a:lstStyle/>
+          <a:p>
+            <a:r>
+              <a:rPr lang="de-DE" dirty="0" smtClean="0"/>
+              <a:t>G:</a:t>
+            </a:r>
+            <a:endParaRPr lang="de-DE" dirty="0"/>
+          </a:p>
+        </p:txBody>
+      </p:sp>
+      <p:cxnSp>
+        <p:nvCxnSpPr>
+          <p:cNvPr id="45" name="Gerade Verbindung mit Pfeil 44"/>
+          <p:cNvCxnSpPr/>
+          <p:nvPr/>
+        </p:nvCxnSpPr>
+        <p:spPr>
+          <a:xfrm flipH="1">
+            <a:off x="4627820" y="262252"/>
+            <a:ext cx="229405" cy="0"/>
+          </a:xfrm>
+          <a:prstGeom prst="straightConnector1">
+            <a:avLst/>
+          </a:prstGeom>
+          <a:ln>
+            <a:tailEnd type="none"/>
+          </a:ln>
+        </p:spPr>
+        <p:style>
+          <a:lnRef idx="2">
+            <a:schemeClr val="dk1"/>
+          </a:lnRef>
+          <a:fillRef idx="0">
+            <a:schemeClr val="dk1"/>
+          </a:fillRef>
+          <a:effectRef idx="1">
+            <a:schemeClr val="dk1"/>
+          </a:effectRef>
+          <a:fontRef idx="minor">
+            <a:schemeClr val="tx1"/>
+          </a:fontRef>
+        </p:style>
+      </p:cxnSp>
+      <p:cxnSp>
+        <p:nvCxnSpPr>
+          <p:cNvPr id="47" name="Gerade Verbindung mit Pfeil 46"/>
+          <p:cNvCxnSpPr>
+            <a:stCxn id="26" idx="0"/>
+            <a:endCxn id="13" idx="4"/>
+          </p:cNvCxnSpPr>
+          <p:nvPr/>
+        </p:nvCxnSpPr>
+        <p:spPr>
+          <a:xfrm flipV="1">
+            <a:off x="1591119" y="875828"/>
+            <a:ext cx="130" cy="1234048"/>
+          </a:xfrm>
+          <a:prstGeom prst="straightConnector1">
+            <a:avLst/>
+          </a:prstGeom>
+          <a:ln>
+            <a:tailEnd type="none"/>
+          </a:ln>
+        </p:spPr>
+        <p:style>
+          <a:lnRef idx="2">
+            <a:schemeClr val="dk1"/>
+          </a:lnRef>
+          <a:fillRef idx="0">
+            <a:schemeClr val="dk1"/>
+          </a:fillRef>
+          <a:effectRef idx="1">
+            <a:schemeClr val="dk1"/>
+          </a:effectRef>
+          <a:fontRef idx="minor">
+            <a:schemeClr val="tx1"/>
+          </a:fontRef>
+        </p:style>
+      </p:cxnSp>
+      <p:cxnSp>
+        <p:nvCxnSpPr>
+          <p:cNvPr id="50" name="Gerade Verbindung mit Pfeil 49"/>
+          <p:cNvCxnSpPr>
+            <a:stCxn id="20" idx="2"/>
+            <a:endCxn id="13" idx="6"/>
+          </p:cNvCxnSpPr>
+          <p:nvPr/>
+        </p:nvCxnSpPr>
+        <p:spPr>
+          <a:xfrm flipH="1">
+            <a:off x="1815122" y="673455"/>
+            <a:ext cx="1338273" cy="0"/>
+          </a:xfrm>
+          <a:prstGeom prst="straightConnector1">
+            <a:avLst/>
+          </a:prstGeom>
+          <a:ln>
+            <a:tailEnd type="none"/>
+          </a:ln>
+        </p:spPr>
+        <p:style>
+          <a:lnRef idx="2">
+            <a:schemeClr val="dk1"/>
+          </a:lnRef>
+          <a:fillRef idx="0">
+            <a:schemeClr val="dk1"/>
+          </a:fillRef>
+          <a:effectRef idx="1">
+            <a:schemeClr val="dk1"/>
+          </a:effectRef>
+          <a:fontRef idx="minor">
+            <a:schemeClr val="tx1"/>
+          </a:fontRef>
+        </p:style>
+      </p:cxnSp>
+      <p:cxnSp>
+        <p:nvCxnSpPr>
+          <p:cNvPr id="53" name="Gerade Verbindung mit Pfeil 52"/>
+          <p:cNvCxnSpPr>
+            <a:stCxn id="20" idx="4"/>
+            <a:endCxn id="25" idx="0"/>
+          </p:cNvCxnSpPr>
+          <p:nvPr/>
+        </p:nvCxnSpPr>
+        <p:spPr>
+          <a:xfrm flipH="1">
+            <a:off x="3346855" y="875828"/>
+            <a:ext cx="30414" cy="1237579"/>
+          </a:xfrm>
+          <a:prstGeom prst="straightConnector1">
+            <a:avLst/>
+          </a:prstGeom>
+          <a:ln>
+            <a:tailEnd type="none"/>
+          </a:ln>
+        </p:spPr>
+        <p:style>
+          <a:lnRef idx="2">
+            <a:schemeClr val="dk1"/>
+          </a:lnRef>
+          <a:fillRef idx="0">
+            <a:schemeClr val="dk1"/>
+          </a:fillRef>
+          <a:effectRef idx="1">
+            <a:schemeClr val="dk1"/>
+          </a:effectRef>
+          <a:fontRef idx="minor">
+            <a:schemeClr val="tx1"/>
+          </a:fontRef>
+        </p:style>
+      </p:cxnSp>
+      <p:cxnSp>
+        <p:nvCxnSpPr>
+          <p:cNvPr id="56" name="Gerade Verbindung mit Pfeil 55"/>
+          <p:cNvCxnSpPr>
+            <a:stCxn id="26" idx="6"/>
+            <a:endCxn id="25" idx="2"/>
+          </p:cNvCxnSpPr>
+          <p:nvPr/>
+        </p:nvCxnSpPr>
+        <p:spPr>
+          <a:xfrm>
+            <a:off x="1814992" y="2312249"/>
+            <a:ext cx="1307989" cy="3531"/>
+          </a:xfrm>
+          <a:prstGeom prst="straightConnector1">
+            <a:avLst/>
+          </a:prstGeom>
+          <a:ln>
+            <a:tailEnd type="none"/>
+          </a:ln>
+        </p:spPr>
+        <p:style>
+          <a:lnRef idx="2">
+            <a:schemeClr val="dk1"/>
+          </a:lnRef>
+          <a:fillRef idx="0">
+            <a:schemeClr val="dk1"/>
+          </a:fillRef>
+          <a:effectRef idx="1">
+            <a:schemeClr val="dk1"/>
+          </a:effectRef>
+          <a:fontRef idx="minor">
+            <a:schemeClr val="tx1"/>
+          </a:fontRef>
+        </p:style>
+      </p:cxnSp>
+      <p:cxnSp>
+        <p:nvCxnSpPr>
+          <p:cNvPr id="61" name="Gerade Verbindung mit Pfeil 60"/>
+          <p:cNvCxnSpPr>
+            <a:stCxn id="22" idx="2"/>
+            <a:endCxn id="26" idx="7"/>
+          </p:cNvCxnSpPr>
+          <p:nvPr/>
+        </p:nvCxnSpPr>
+        <p:spPr>
+          <a:xfrm flipH="1">
+            <a:off x="1749421" y="1565563"/>
+            <a:ext cx="1836019" cy="603587"/>
+          </a:xfrm>
+          <a:prstGeom prst="straightConnector1">
+            <a:avLst/>
+          </a:prstGeom>
+          <a:ln>
+            <a:tailEnd type="none"/>
+          </a:ln>
+        </p:spPr>
+        <p:style>
+          <a:lnRef idx="2">
+            <a:schemeClr val="dk1"/>
+          </a:lnRef>
+          <a:fillRef idx="0">
+            <a:schemeClr val="dk1"/>
+          </a:fillRef>
+          <a:effectRef idx="1">
+            <a:schemeClr val="dk1"/>
+          </a:effectRef>
+          <a:fontRef idx="minor">
+            <a:schemeClr val="tx1"/>
+          </a:fontRef>
+        </p:style>
+      </p:cxnSp>
+      <p:cxnSp>
+        <p:nvCxnSpPr>
+          <p:cNvPr id="64" name="Gerade Verbindung mit Pfeil 63"/>
+          <p:cNvCxnSpPr>
+            <a:stCxn id="25" idx="0"/>
+            <a:endCxn id="13" idx="5"/>
+          </p:cNvCxnSpPr>
+          <p:nvPr/>
+        </p:nvCxnSpPr>
+        <p:spPr>
+          <a:xfrm flipH="1" flipV="1">
+            <a:off x="1749551" y="816554"/>
+            <a:ext cx="1597304" cy="1296853"/>
+          </a:xfrm>
+          <a:prstGeom prst="straightConnector1">
+            <a:avLst/>
+          </a:prstGeom>
+          <a:ln>
+            <a:tailEnd type="none"/>
+          </a:ln>
+        </p:spPr>
+        <p:style>
+          <a:lnRef idx="2">
+            <a:schemeClr val="dk1"/>
+          </a:lnRef>
+          <a:fillRef idx="0">
+            <a:schemeClr val="dk1"/>
+          </a:fillRef>
+          <a:effectRef idx="1">
+            <a:schemeClr val="dk1"/>
+          </a:effectRef>
+          <a:fontRef idx="minor">
+            <a:schemeClr val="tx1"/>
+          </a:fontRef>
+        </p:style>
+      </p:cxnSp>
+      <p:cxnSp>
+        <p:nvCxnSpPr>
+          <p:cNvPr id="67" name="Gerade Verbindung mit Pfeil 66"/>
+          <p:cNvCxnSpPr>
+            <a:stCxn id="26" idx="7"/>
+            <a:endCxn id="20" idx="3"/>
+          </p:cNvCxnSpPr>
+          <p:nvPr/>
+        </p:nvCxnSpPr>
+        <p:spPr>
+          <a:xfrm flipV="1">
+            <a:off x="1749421" y="816554"/>
+            <a:ext cx="1469545" cy="1352596"/>
+          </a:xfrm>
+          <a:prstGeom prst="straightConnector1">
+            <a:avLst/>
+          </a:prstGeom>
+          <a:ln>
+            <a:tailEnd type="none"/>
+          </a:ln>
+        </p:spPr>
+        <p:style>
+          <a:lnRef idx="2">
+            <a:schemeClr val="dk1"/>
+          </a:lnRef>
+          <a:fillRef idx="0">
+            <a:schemeClr val="dk1"/>
+          </a:fillRef>
+          <a:effectRef idx="1">
+            <a:schemeClr val="dk1"/>
+          </a:effectRef>
+          <a:fontRef idx="minor">
+            <a:schemeClr val="tx1"/>
+          </a:fontRef>
+        </p:style>
+      </p:cxnSp>
+      <p:cxnSp>
+        <p:nvCxnSpPr>
+          <p:cNvPr id="71" name="Gerade Verbindung mit Pfeil 70"/>
+          <p:cNvCxnSpPr>
+            <a:stCxn id="23" idx="7"/>
+            <a:endCxn id="13" idx="4"/>
+          </p:cNvCxnSpPr>
+          <p:nvPr/>
+        </p:nvCxnSpPr>
+        <p:spPr>
+          <a:xfrm flipV="1">
+            <a:off x="1230330" y="875828"/>
+            <a:ext cx="360919" cy="484953"/>
+          </a:xfrm>
+          <a:prstGeom prst="straightConnector1">
+            <a:avLst/>
+          </a:prstGeom>
+          <a:ln>
+            <a:tailEnd type="none"/>
+          </a:ln>
+        </p:spPr>
+        <p:style>
+          <a:lnRef idx="2">
+            <a:schemeClr val="dk1"/>
+          </a:lnRef>
+          <a:fillRef idx="0">
+            <a:schemeClr val="dk1"/>
+          </a:fillRef>
+          <a:effectRef idx="1">
+            <a:schemeClr val="dk1"/>
+          </a:effectRef>
+          <a:fontRef idx="minor">
+            <a:schemeClr val="tx1"/>
+          </a:fontRef>
+        </p:style>
+      </p:cxnSp>
+      <p:sp>
+        <p:nvSpPr>
+          <p:cNvPr id="74" name="Textfeld 73"/>
+          <p:cNvSpPr txBox="1"/>
+          <p:nvPr/>
+        </p:nvSpPr>
+        <p:spPr>
+          <a:xfrm>
+            <a:off x="1004759" y="2944875"/>
+            <a:ext cx="2596383" cy="369332"/>
+          </a:xfrm>
+          <a:prstGeom prst="rect">
+            <a:avLst/>
+          </a:prstGeom>
+          <a:noFill/>
+        </p:spPr>
+        <p:txBody>
+          <a:bodyPr wrap="square" rtlCol="0">
+            <a:spAutoFit/>
+          </a:bodyPr>
+          <a:lstStyle/>
+          <a:p>
+            <a:r>
+              <a:rPr lang="de-DE" dirty="0" err="1"/>
+              <a:t>m</a:t>
+            </a:r>
+            <a:r>
+              <a:rPr lang="de-DE" dirty="0" err="1" smtClean="0"/>
+              <a:t>ax</a:t>
+            </a:r>
+            <a:r>
+              <a:rPr lang="de-DE" dirty="0" smtClean="0"/>
+              <a:t> Clique = {</a:t>
+            </a:r>
+            <a:r>
+              <a:rPr lang="de-DE" dirty="0" err="1" smtClean="0"/>
+              <a:t>u,v,y,x</a:t>
+            </a:r>
+            <a:r>
+              <a:rPr lang="de-DE" dirty="0" smtClean="0"/>
+              <a:t>}</a:t>
+            </a:r>
+            <a:endParaRPr lang="de-DE" dirty="0"/>
+          </a:p>
+        </p:txBody>
+      </p:sp>
+      <p:sp>
+        <p:nvSpPr>
+          <p:cNvPr id="75" name="Textfeld 74"/>
+          <p:cNvSpPr txBox="1"/>
+          <p:nvPr/>
+        </p:nvSpPr>
+        <p:spPr>
+          <a:xfrm>
+            <a:off x="5130930" y="2957707"/>
+            <a:ext cx="3228102" cy="369332"/>
+          </a:xfrm>
+          <a:prstGeom prst="rect">
+            <a:avLst/>
+          </a:prstGeom>
+          <a:noFill/>
+        </p:spPr>
+        <p:txBody>
+          <a:bodyPr wrap="square" rtlCol="0">
+            <a:spAutoFit/>
+          </a:bodyPr>
+          <a:lstStyle/>
+          <a:p>
+            <a:r>
+              <a:rPr lang="de-DE" dirty="0" smtClean="0"/>
+              <a:t>min Vertex-Cover= {</a:t>
+            </a:r>
+            <a:r>
+              <a:rPr lang="de-DE" dirty="0" err="1" smtClean="0"/>
+              <a:t>z,w</a:t>
+            </a:r>
+            <a:r>
+              <a:rPr lang="de-DE" dirty="0" smtClean="0"/>
+              <a:t>}</a:t>
+            </a:r>
+            <a:endParaRPr lang="de-DE" dirty="0"/>
+          </a:p>
+        </p:txBody>
+      </p:sp>
+    </p:spTree>
+    <p:extLst>
+      <p:ext uri="{BB962C8B-B14F-4D97-AF65-F5344CB8AC3E}">
+        <p14:creationId xmlns:p14="http://schemas.microsoft.com/office/powerpoint/2010/main" val="3566796623"/>
       </p:ext>
     </p:extLst>
   </p:cSld>
